--- a/samsung_ds_pruning.pptx
+++ b/samsung_ds_pruning.pptx
@@ -17724,7 +17724,7 @@
             <a:lstStyle/>
             <a:p>
               <a:pPr algn="ctr"/>
-              <a:endParaRPr lang="en-US"/>
+              <a:endParaRPr lang="en-US" dirty="0"/>
             </a:p>
           </p:txBody>
         </p:sp>
@@ -17743,7 +17743,7 @@
           <p:spPr>
             <a:xfrm>
               <a:off x="1611086" y="3841979"/>
-              <a:ext cx="4608954" cy="830997"/>
+              <a:ext cx="5899372" cy="830997"/>
             </a:xfrm>
             <a:prstGeom prst="rect">
               <a:avLst/>
@@ -17810,14 +17810,20 @@
                 <a:t> activate </a:t>
               </a:r>
               <a:r>
-                <a:rPr lang="en-US" sz="2400" b="1" dirty="0">
+                <a:rPr lang="en-US" sz="2400" b="1" dirty="0" err="1">
                   <a:solidFill>
                     <a:srgbClr val="FF0000"/>
                   </a:solidFill>
                   <a:latin typeface="Courier" pitchFamily="2" charset="0"/>
                 </a:rPr>
-                <a:t>pruning</a:t>
+                <a:t>pruning_simple</a:t>
               </a:r>
+              <a:endParaRPr lang="en-US" sz="2400" b="1" dirty="0">
+                <a:solidFill>
+                  <a:srgbClr val="FF0000"/>
+                </a:solidFill>
+                <a:latin typeface="Courier" pitchFamily="2" charset="0"/>
+              </a:endParaRPr>
             </a:p>
           </p:txBody>
         </p:sp>

--- a/samsung_ds_pruning.pptx
+++ b/samsung_ds_pruning.pptx
@@ -5,7 +5,7 @@
     <p:sldMasterId id="2147483648" r:id="rId1"/>
   </p:sldMasterIdLst>
   <p:notesMasterIdLst>
-    <p:notesMasterId r:id="rId32"/>
+    <p:notesMasterId r:id="rId34"/>
   </p:notesMasterIdLst>
   <p:sldIdLst>
     <p:sldId id="290" r:id="rId2"/>
@@ -27,17 +27,19 @@
     <p:sldId id="394" r:id="rId18"/>
     <p:sldId id="395" r:id="rId19"/>
     <p:sldId id="409" r:id="rId20"/>
-    <p:sldId id="400" r:id="rId21"/>
-    <p:sldId id="401" r:id="rId22"/>
-    <p:sldId id="388" r:id="rId23"/>
-    <p:sldId id="389" r:id="rId24"/>
-    <p:sldId id="390" r:id="rId25"/>
-    <p:sldId id="402" r:id="rId26"/>
-    <p:sldId id="403" r:id="rId27"/>
-    <p:sldId id="404" r:id="rId28"/>
-    <p:sldId id="405" r:id="rId29"/>
-    <p:sldId id="406" r:id="rId30"/>
-    <p:sldId id="408" r:id="rId31"/>
+    <p:sldId id="410" r:id="rId21"/>
+    <p:sldId id="411" r:id="rId22"/>
+    <p:sldId id="400" r:id="rId23"/>
+    <p:sldId id="401" r:id="rId24"/>
+    <p:sldId id="388" r:id="rId25"/>
+    <p:sldId id="389" r:id="rId26"/>
+    <p:sldId id="390" r:id="rId27"/>
+    <p:sldId id="402" r:id="rId28"/>
+    <p:sldId id="403" r:id="rId29"/>
+    <p:sldId id="404" r:id="rId30"/>
+    <p:sldId id="405" r:id="rId31"/>
+    <p:sldId id="406" r:id="rId32"/>
+    <p:sldId id="408" r:id="rId33"/>
   </p:sldIdLst>
   <p:sldSz cx="12192000" cy="6858000"/>
   <p:notesSz cx="6858000" cy="9144000"/>
@@ -1157,7 +1159,7 @@
           <a:p>
             <a:fld id="{94159FCA-B196-49B1-A55F-0AF34A55080A}" type="slidenum">
               <a:rPr lang="ko-KR" altLang="en-US" smtClean="0"/>
-              <a:t>30</a:t>
+              <a:t>32</a:t>
             </a:fld>
             <a:endParaRPr lang="ko-KR" altLang="en-US"/>
           </a:p>
@@ -20824,7 +20826,7 @@
         <p:spPr>
           <a:xfrm>
             <a:off x="716708" y="2866832"/>
-            <a:ext cx="11149679" cy="943168"/>
+            <a:ext cx="11149679" cy="1325562"/>
           </a:xfrm>
           <a:prstGeom prst="rect">
             <a:avLst/>
@@ -20876,7 +20878,7 @@
         <p:spPr>
           <a:xfrm>
             <a:off x="909541" y="3116524"/>
-            <a:ext cx="10956846" cy="400110"/>
+            <a:ext cx="10956846" cy="707886"/>
           </a:xfrm>
           <a:prstGeom prst="rect">
             <a:avLst/>
@@ -20934,6 +20936,41 @@
               </a:rPr>
               <a:t>https://github.com/h19920918/samsung_ds_summer_pruning.git</a:t>
             </a:r>
+          </a:p>
+          <a:p>
+            <a:r>
+              <a:rPr lang="en-US" altLang="ko-KR" sz="2000" dirty="0">
+                <a:solidFill>
+                  <a:schemeClr val="bg1"/>
+                </a:solidFill>
+                <a:latin typeface="Courier" pitchFamily="2" charset="0"/>
+              </a:rPr>
+              <a:t>$ cd</a:t>
+            </a:r>
+            <a:r>
+              <a:rPr lang="ko-KR" altLang="en-US" sz="2000" dirty="0">
+                <a:solidFill>
+                  <a:schemeClr val="bg1"/>
+                </a:solidFill>
+                <a:latin typeface="Courier" pitchFamily="2" charset="0"/>
+              </a:rPr>
+              <a:t> </a:t>
+            </a:r>
+            <a:r>
+              <a:rPr lang="en-US" altLang="ko-KR" sz="2000" dirty="0" err="1">
+                <a:solidFill>
+                  <a:schemeClr val="bg1"/>
+                </a:solidFill>
+                <a:latin typeface="Courier" pitchFamily="2" charset="0"/>
+              </a:rPr>
+              <a:t>samsung_ds_summer_pruning</a:t>
+            </a:r>
+            <a:endParaRPr lang="en-US" altLang="ko-KR" sz="2000" dirty="0">
+              <a:solidFill>
+                <a:schemeClr val="bg1"/>
+              </a:solidFill>
+              <a:latin typeface="Courier" pitchFamily="2" charset="0"/>
+            </a:endParaRPr>
           </a:p>
         </p:txBody>
       </p:sp>
@@ -21342,6 +21379,374 @@
 </file>
 
 <file path=ppt/slides/slide20.xml><?xml version="1.0" encoding="utf-8"?>
+<p:sld xmlns:a="http://schemas.openxmlformats.org/drawingml/2006/main" xmlns:r="http://schemas.openxmlformats.org/officeDocument/2006/relationships" xmlns:p="http://schemas.openxmlformats.org/presentationml/2006/main">
+  <p:cSld>
+    <p:spTree>
+      <p:nvGrpSpPr>
+        <p:cNvPr id="1" name=""/>
+        <p:cNvGrpSpPr/>
+        <p:nvPr/>
+      </p:nvGrpSpPr>
+      <p:grpSpPr>
+        <a:xfrm>
+          <a:off x="0" y="0"/>
+          <a:ext cx="0" cy="0"/>
+          <a:chOff x="0" y="0"/>
+          <a:chExt cx="0" cy="0"/>
+        </a:xfrm>
+      </p:grpSpPr>
+      <p:sp>
+        <p:nvSpPr>
+          <p:cNvPr id="2" name="Title 1">
+            <a:extLst>
+              <a:ext uri="{FF2B5EF4-FFF2-40B4-BE49-F238E27FC236}">
+                <a16:creationId xmlns:a16="http://schemas.microsoft.com/office/drawing/2014/main" id="{9CB2FB8D-5198-B848-9ACE-464E006C2ABD}"/>
+              </a:ext>
+            </a:extLst>
+          </p:cNvPr>
+          <p:cNvSpPr>
+            <a:spLocks noGrp="1"/>
+          </p:cNvSpPr>
+          <p:nvPr>
+            <p:ph type="title"/>
+          </p:nvPr>
+        </p:nvSpPr>
+        <p:spPr/>
+        <p:txBody>
+          <a:bodyPr>
+            <a:normAutofit/>
+          </a:bodyPr>
+          <a:lstStyle/>
+          <a:p>
+            <a:r>
+              <a:rPr lang="ko-KR" altLang="en-US" sz="4000" dirty="0"/>
+              <a:t>비주얼 스튜디오 실행 </a:t>
+            </a:r>
+            <a:endParaRPr lang="en-US" sz="4000" dirty="0"/>
+          </a:p>
+        </p:txBody>
+      </p:sp>
+      <p:sp>
+        <p:nvSpPr>
+          <p:cNvPr id="3" name="Content Placeholder 2">
+            <a:extLst>
+              <a:ext uri="{FF2B5EF4-FFF2-40B4-BE49-F238E27FC236}">
+                <a16:creationId xmlns:a16="http://schemas.microsoft.com/office/drawing/2014/main" id="{C4F052D2-1DBC-FC42-AF60-2558233A5140}"/>
+              </a:ext>
+            </a:extLst>
+          </p:cNvPr>
+          <p:cNvSpPr>
+            <a:spLocks noGrp="1"/>
+          </p:cNvSpPr>
+          <p:nvPr>
+            <p:ph idx="1"/>
+          </p:nvPr>
+        </p:nvSpPr>
+        <p:spPr/>
+        <p:txBody>
+          <a:bodyPr/>
+          <a:lstStyle/>
+          <a:p>
+            <a:pPr marL="0" indent="0">
+              <a:buNone/>
+            </a:pPr>
+            <a:r>
+              <a:rPr lang="ko-KR" altLang="en-US" dirty="0"/>
+              <a:t>다음 명령어로 비주얼 스튜디오를 실행해주세요</a:t>
+            </a:r>
+            <a:r>
+              <a:rPr lang="en-US" altLang="ko-KR" dirty="0"/>
+              <a:t>.</a:t>
+            </a:r>
+            <a:endParaRPr lang="en-US" dirty="0"/>
+          </a:p>
+        </p:txBody>
+      </p:sp>
+      <p:sp>
+        <p:nvSpPr>
+          <p:cNvPr id="5" name="Rectangle 4">
+            <a:extLst>
+              <a:ext uri="{FF2B5EF4-FFF2-40B4-BE49-F238E27FC236}">
+                <a16:creationId xmlns:a16="http://schemas.microsoft.com/office/drawing/2014/main" id="{65E701C5-BA51-894C-A9D2-CA0B0DDC40AF}"/>
+              </a:ext>
+            </a:extLst>
+          </p:cNvPr>
+          <p:cNvSpPr/>
+          <p:nvPr/>
+        </p:nvSpPr>
+        <p:spPr>
+          <a:xfrm>
+            <a:off x="1468146" y="3618270"/>
+            <a:ext cx="3230603" cy="943168"/>
+          </a:xfrm>
+          <a:prstGeom prst="rect">
+            <a:avLst/>
+          </a:prstGeom>
+          <a:solidFill>
+            <a:schemeClr val="tx1"/>
+          </a:solidFill>
+          <a:ln>
+            <a:noFill/>
+          </a:ln>
+        </p:spPr>
+        <p:style>
+          <a:lnRef idx="2">
+            <a:schemeClr val="accent1">
+              <a:shade val="50000"/>
+            </a:schemeClr>
+          </a:lnRef>
+          <a:fillRef idx="1">
+            <a:schemeClr val="accent1"/>
+          </a:fillRef>
+          <a:effectRef idx="0">
+            <a:schemeClr val="accent1"/>
+          </a:effectRef>
+          <a:fontRef idx="minor">
+            <a:schemeClr val="lt1"/>
+          </a:fontRef>
+        </p:style>
+        <p:txBody>
+          <a:bodyPr rtlCol="0" anchor="ctr"/>
+          <a:lstStyle/>
+          <a:p>
+            <a:pPr algn="ctr"/>
+            <a:endParaRPr lang="en-US" dirty="0"/>
+          </a:p>
+        </p:txBody>
+      </p:sp>
+      <p:sp>
+        <p:nvSpPr>
+          <p:cNvPr id="6" name="TextBox 5">
+            <a:extLst>
+              <a:ext uri="{FF2B5EF4-FFF2-40B4-BE49-F238E27FC236}">
+                <a16:creationId xmlns:a16="http://schemas.microsoft.com/office/drawing/2014/main" id="{B2610E12-6044-9F46-838E-D1D20BE8EE20}"/>
+              </a:ext>
+            </a:extLst>
+          </p:cNvPr>
+          <p:cNvSpPr txBox="1"/>
+          <p:nvPr/>
+        </p:nvSpPr>
+        <p:spPr>
+          <a:xfrm>
+            <a:off x="1660979" y="3867962"/>
+            <a:ext cx="1107996" cy="400110"/>
+          </a:xfrm>
+          <a:prstGeom prst="rect">
+            <a:avLst/>
+          </a:prstGeom>
+          <a:noFill/>
+        </p:spPr>
+        <p:txBody>
+          <a:bodyPr wrap="none" rtlCol="0">
+            <a:spAutoFit/>
+          </a:bodyPr>
+          <a:lstStyle/>
+          <a:p>
+            <a:r>
+              <a:rPr lang="en-US" sz="2000" dirty="0">
+                <a:solidFill>
+                  <a:schemeClr val="bg1"/>
+                </a:solidFill>
+                <a:latin typeface="Courier" pitchFamily="2" charset="0"/>
+              </a:rPr>
+              <a:t>$ code</a:t>
+            </a:r>
+            <a:endParaRPr lang="en-US" altLang="ko-KR" sz="2000" dirty="0">
+              <a:solidFill>
+                <a:schemeClr val="bg1"/>
+              </a:solidFill>
+              <a:latin typeface="Courier" pitchFamily="2" charset="0"/>
+            </a:endParaRPr>
+          </a:p>
+        </p:txBody>
+      </p:sp>
+      <p:pic>
+        <p:nvPicPr>
+          <p:cNvPr id="7" name="그림 6">
+            <a:extLst>
+              <a:ext uri="{FF2B5EF4-FFF2-40B4-BE49-F238E27FC236}">
+                <a16:creationId xmlns:a16="http://schemas.microsoft.com/office/drawing/2014/main" id="{956BF6F8-C4DB-4ABC-9249-883F5D171FA6}"/>
+              </a:ext>
+            </a:extLst>
+          </p:cNvPr>
+          <p:cNvPicPr>
+            <a:picLocks noChangeAspect="1"/>
+          </p:cNvPicPr>
+          <p:nvPr/>
+        </p:nvPicPr>
+        <p:blipFill>
+          <a:blip r:embed="rId2"/>
+          <a:stretch>
+            <a:fillRect/>
+          </a:stretch>
+        </p:blipFill>
+        <p:spPr>
+          <a:xfrm>
+            <a:off x="5069940" y="2615585"/>
+            <a:ext cx="6562233" cy="3561378"/>
+          </a:xfrm>
+          <a:prstGeom prst="rect">
+            <a:avLst/>
+          </a:prstGeom>
+        </p:spPr>
+      </p:pic>
+    </p:spTree>
+    <p:extLst>
+      <p:ext uri="{BB962C8B-B14F-4D97-AF65-F5344CB8AC3E}">
+        <p14:creationId xmlns:p14="http://schemas.microsoft.com/office/powerpoint/2010/main" val="715387258"/>
+      </p:ext>
+    </p:extLst>
+  </p:cSld>
+  <p:clrMapOvr>
+    <a:masterClrMapping/>
+  </p:clrMapOvr>
+</p:sld>
+</file>
+
+<file path=ppt/slides/slide21.xml><?xml version="1.0" encoding="utf-8"?>
+<p:sld xmlns:a="http://schemas.openxmlformats.org/drawingml/2006/main" xmlns:r="http://schemas.openxmlformats.org/officeDocument/2006/relationships" xmlns:p="http://schemas.openxmlformats.org/presentationml/2006/main">
+  <p:cSld>
+    <p:spTree>
+      <p:nvGrpSpPr>
+        <p:cNvPr id="1" name=""/>
+        <p:cNvGrpSpPr/>
+        <p:nvPr/>
+      </p:nvGrpSpPr>
+      <p:grpSpPr>
+        <a:xfrm>
+          <a:off x="0" y="0"/>
+          <a:ext cx="0" cy="0"/>
+          <a:chOff x="0" y="0"/>
+          <a:chExt cx="0" cy="0"/>
+        </a:xfrm>
+      </p:grpSpPr>
+      <p:sp>
+        <p:nvSpPr>
+          <p:cNvPr id="2" name="Title 1">
+            <a:extLst>
+              <a:ext uri="{FF2B5EF4-FFF2-40B4-BE49-F238E27FC236}">
+                <a16:creationId xmlns:a16="http://schemas.microsoft.com/office/drawing/2014/main" id="{9CB2FB8D-5198-B848-9ACE-464E006C2ABD}"/>
+              </a:ext>
+            </a:extLst>
+          </p:cNvPr>
+          <p:cNvSpPr>
+            <a:spLocks noGrp="1"/>
+          </p:cNvSpPr>
+          <p:nvPr>
+            <p:ph type="title"/>
+          </p:nvPr>
+        </p:nvSpPr>
+        <p:spPr/>
+        <p:txBody>
+          <a:bodyPr>
+            <a:normAutofit/>
+          </a:bodyPr>
+          <a:lstStyle/>
+          <a:p>
+            <a:r>
+              <a:rPr lang="ko-KR" altLang="en-US" sz="4000" dirty="0"/>
+              <a:t>코드 폴더 불러오기</a:t>
+            </a:r>
+            <a:endParaRPr lang="en-US" sz="4000" dirty="0"/>
+          </a:p>
+        </p:txBody>
+      </p:sp>
+      <p:pic>
+        <p:nvPicPr>
+          <p:cNvPr id="7" name="그림 6">
+            <a:extLst>
+              <a:ext uri="{FF2B5EF4-FFF2-40B4-BE49-F238E27FC236}">
+                <a16:creationId xmlns:a16="http://schemas.microsoft.com/office/drawing/2014/main" id="{956BF6F8-C4DB-4ABC-9249-883F5D171FA6}"/>
+              </a:ext>
+            </a:extLst>
+          </p:cNvPr>
+          <p:cNvPicPr>
+            <a:picLocks noChangeAspect="1"/>
+          </p:cNvPicPr>
+          <p:nvPr/>
+        </p:nvPicPr>
+        <p:blipFill>
+          <a:blip r:embed="rId2"/>
+          <a:stretch>
+            <a:fillRect/>
+          </a:stretch>
+        </p:blipFill>
+        <p:spPr>
+          <a:xfrm>
+            <a:off x="1533053" y="1686517"/>
+            <a:ext cx="9125894" cy="4952698"/>
+          </a:xfrm>
+          <a:prstGeom prst="rect">
+            <a:avLst/>
+          </a:prstGeom>
+        </p:spPr>
+      </p:pic>
+      <p:sp>
+        <p:nvSpPr>
+          <p:cNvPr id="9" name="직사각형 8">
+            <a:extLst>
+              <a:ext uri="{FF2B5EF4-FFF2-40B4-BE49-F238E27FC236}">
+                <a16:creationId xmlns:a16="http://schemas.microsoft.com/office/drawing/2014/main" id="{210FBCF5-55B4-41E2-BCEE-E298595F6C1B}"/>
+              </a:ext>
+            </a:extLst>
+          </p:cNvPr>
+          <p:cNvSpPr/>
+          <p:nvPr/>
+        </p:nvSpPr>
+        <p:spPr>
+          <a:xfrm>
+            <a:off x="4171950" y="3505200"/>
+            <a:ext cx="454025" cy="114300"/>
+          </a:xfrm>
+          <a:prstGeom prst="rect">
+            <a:avLst/>
+          </a:prstGeom>
+          <a:noFill/>
+          <a:ln w="38100">
+            <a:solidFill>
+              <a:srgbClr val="C00000"/>
+            </a:solidFill>
+          </a:ln>
+        </p:spPr>
+        <p:style>
+          <a:lnRef idx="2">
+            <a:schemeClr val="accent1">
+              <a:shade val="50000"/>
+            </a:schemeClr>
+          </a:lnRef>
+          <a:fillRef idx="1">
+            <a:schemeClr val="accent1"/>
+          </a:fillRef>
+          <a:effectRef idx="0">
+            <a:schemeClr val="accent1"/>
+          </a:effectRef>
+          <a:fontRef idx="minor">
+            <a:schemeClr val="lt1"/>
+          </a:fontRef>
+        </p:style>
+        <p:txBody>
+          <a:bodyPr rtlCol="0" anchor="ctr"/>
+          <a:lstStyle/>
+          <a:p>
+            <a:pPr algn="ctr"/>
+            <a:endParaRPr lang="ko-KR" altLang="en-US"/>
+          </a:p>
+        </p:txBody>
+      </p:sp>
+    </p:spTree>
+    <p:extLst>
+      <p:ext uri="{BB962C8B-B14F-4D97-AF65-F5344CB8AC3E}">
+        <p14:creationId xmlns:p14="http://schemas.microsoft.com/office/powerpoint/2010/main" val="374262329"/>
+      </p:ext>
+    </p:extLst>
+  </p:cSld>
+  <p:clrMapOvr>
+    <a:masterClrMapping/>
+  </p:clrMapOvr>
+</p:sld>
+</file>
+
+<file path=ppt/slides/slide22.xml><?xml version="1.0" encoding="utf-8"?>
 <p:sld xmlns:a="http://schemas.openxmlformats.org/drawingml/2006/main" xmlns:r="http://schemas.openxmlformats.org/officeDocument/2006/relationships" xmlns:p="http://schemas.openxmlformats.org/presentationml/2006/main">
   <p:cSld>
     <p:spTree>
@@ -21574,7 +21979,7 @@
 </p:sld>
 </file>
 
-<file path=ppt/slides/slide21.xml><?xml version="1.0" encoding="utf-8"?>
+<file path=ppt/slides/slide23.xml><?xml version="1.0" encoding="utf-8"?>
 <p:sld xmlns:a="http://schemas.openxmlformats.org/drawingml/2006/main" xmlns:r="http://schemas.openxmlformats.org/officeDocument/2006/relationships" xmlns:p="http://schemas.openxmlformats.org/presentationml/2006/main">
   <p:cSld>
     <p:spTree>
@@ -21957,7 +22362,7 @@
 </p:sld>
 </file>
 
-<file path=ppt/slides/slide22.xml><?xml version="1.0" encoding="utf-8"?>
+<file path=ppt/slides/slide24.xml><?xml version="1.0" encoding="utf-8"?>
 <p:sld xmlns:a="http://schemas.openxmlformats.org/drawingml/2006/main" xmlns:r="http://schemas.openxmlformats.org/officeDocument/2006/relationships" xmlns:p="http://schemas.openxmlformats.org/presentationml/2006/main">
   <p:cSld>
     <p:spTree>
@@ -22346,7 +22751,7 @@
 </p:sld>
 </file>
 
-<file path=ppt/slides/slide23.xml><?xml version="1.0" encoding="utf-8"?>
+<file path=ppt/slides/slide25.xml><?xml version="1.0" encoding="utf-8"?>
 <p:sld xmlns:a="http://schemas.openxmlformats.org/drawingml/2006/main" xmlns:r="http://schemas.openxmlformats.org/officeDocument/2006/relationships" xmlns:p="http://schemas.openxmlformats.org/presentationml/2006/main">
   <p:cSld>
     <p:spTree>
@@ -22610,7 +23015,7 @@
 </p:sld>
 </file>
 
-<file path=ppt/slides/slide24.xml><?xml version="1.0" encoding="utf-8"?>
+<file path=ppt/slides/slide26.xml><?xml version="1.0" encoding="utf-8"?>
 <p:sld xmlns:a="http://schemas.openxmlformats.org/drawingml/2006/main" xmlns:r="http://schemas.openxmlformats.org/officeDocument/2006/relationships" xmlns:p="http://schemas.openxmlformats.org/presentationml/2006/main">
   <p:cSld>
     <p:spTree>
@@ -23318,7 +23723,7 @@
 </p:sld>
 </file>
 
-<file path=ppt/slides/slide25.xml><?xml version="1.0" encoding="utf-8"?>
+<file path=ppt/slides/slide27.xml><?xml version="1.0" encoding="utf-8"?>
 <p:sld xmlns:a="http://schemas.openxmlformats.org/drawingml/2006/main" xmlns:r="http://schemas.openxmlformats.org/officeDocument/2006/relationships" xmlns:p="http://schemas.openxmlformats.org/presentationml/2006/main">
   <p:cSld>
     <p:spTree>
@@ -23461,7 +23866,7 @@
 </p:sld>
 </file>
 
-<file path=ppt/slides/slide26.xml><?xml version="1.0" encoding="utf-8"?>
+<file path=ppt/slides/slide28.xml><?xml version="1.0" encoding="utf-8"?>
 <p:sld xmlns:a="http://schemas.openxmlformats.org/drawingml/2006/main" xmlns:r="http://schemas.openxmlformats.org/officeDocument/2006/relationships" xmlns:p="http://schemas.openxmlformats.org/presentationml/2006/main">
   <p:cSld>
     <p:spTree>
@@ -23753,7 +24158,7 @@
 </p:sld>
 </file>
 
-<file path=ppt/slides/slide27.xml><?xml version="1.0" encoding="utf-8"?>
+<file path=ppt/slides/slide29.xml><?xml version="1.0" encoding="utf-8"?>
 <p:sld xmlns:a="http://schemas.openxmlformats.org/drawingml/2006/main" xmlns:r="http://schemas.openxmlformats.org/officeDocument/2006/relationships" xmlns:p="http://schemas.openxmlformats.org/presentationml/2006/main">
   <p:cSld>
     <p:spTree>
@@ -23880,7 +24285,375 @@
 </p:sld>
 </file>
 
-<file path=ppt/slides/slide28.xml><?xml version="1.0" encoding="utf-8"?>
+<file path=ppt/slides/slide3.xml><?xml version="1.0" encoding="utf-8"?>
+<p:sld xmlns:a="http://schemas.openxmlformats.org/drawingml/2006/main" xmlns:r="http://schemas.openxmlformats.org/officeDocument/2006/relationships" xmlns:p="http://schemas.openxmlformats.org/presentationml/2006/main">
+  <p:cSld>
+    <p:spTree>
+      <p:nvGrpSpPr>
+        <p:cNvPr id="1" name=""/>
+        <p:cNvGrpSpPr/>
+        <p:nvPr/>
+      </p:nvGrpSpPr>
+      <p:grpSpPr>
+        <a:xfrm>
+          <a:off x="0" y="0"/>
+          <a:ext cx="0" cy="0"/>
+          <a:chOff x="0" y="0"/>
+          <a:chExt cx="0" cy="0"/>
+        </a:xfrm>
+      </p:grpSpPr>
+      <p:sp>
+        <p:nvSpPr>
+          <p:cNvPr id="7" name="Title 1"/>
+          <p:cNvSpPr txBox="1">
+            <a:spLocks/>
+          </p:cNvSpPr>
+          <p:nvPr/>
+        </p:nvSpPr>
+        <p:spPr>
+          <a:xfrm>
+            <a:off x="838200" y="365125"/>
+            <a:ext cx="10515600" cy="1325563"/>
+          </a:xfrm>
+          <a:prstGeom prst="rect">
+            <a:avLst/>
+          </a:prstGeom>
+        </p:spPr>
+        <p:txBody>
+          <a:bodyPr vert="horz" lIns="91440" tIns="45720" rIns="91440" bIns="45720" rtlCol="0" anchor="ctr">
+            <a:normAutofit/>
+          </a:bodyPr>
+          <a:lstStyle>
+            <a:lvl1pPr algn="ctr" defTabSz="914400" rtl="0" eaLnBrk="1" latinLnBrk="1" hangingPunct="1">
+              <a:lnSpc>
+                <a:spcPct val="90000"/>
+              </a:lnSpc>
+              <a:spcBef>
+                <a:spcPct val="0"/>
+              </a:spcBef>
+              <a:buNone/>
+              <a:defRPr sz="6000" kern="1200">
+                <a:solidFill>
+                  <a:schemeClr val="tx1"/>
+                </a:solidFill>
+                <a:latin typeface="+mj-lt"/>
+                <a:ea typeface="+mj-ea"/>
+                <a:cs typeface="+mj-cs"/>
+              </a:defRPr>
+            </a:lvl1pPr>
+          </a:lstStyle>
+          <a:p>
+            <a:pPr algn="l"/>
+            <a:r>
+              <a:rPr lang="ko-KR" altLang="en-US" sz="4000" dirty="0">
+                <a:latin typeface="Calibri" panose="020F0502020204030204" pitchFamily="34" charset="0"/>
+                <a:cs typeface="Calibri" panose="020F0502020204030204" pitchFamily="34" charset="0"/>
+              </a:rPr>
+              <a:t>실습 목표</a:t>
+            </a:r>
+            <a:endParaRPr lang="ko-KR" altLang="en-US" sz="4000" dirty="0">
+              <a:latin typeface="Calibri" panose="020F0502020204030204" pitchFamily="34" charset="0"/>
+            </a:endParaRPr>
+          </a:p>
+        </p:txBody>
+      </p:sp>
+      <p:sp>
+        <p:nvSpPr>
+          <p:cNvPr id="9" name="슬라이드 번호 개체 틀 7">
+            <a:extLst>
+              <a:ext uri="{FF2B5EF4-FFF2-40B4-BE49-F238E27FC236}">
+                <a16:creationId xmlns:a16="http://schemas.microsoft.com/office/drawing/2014/main" id="{E5AA4C27-49CA-4BE9-83FD-A813689EF3E2}"/>
+              </a:ext>
+            </a:extLst>
+          </p:cNvPr>
+          <p:cNvSpPr>
+            <a:spLocks noGrp="1"/>
+          </p:cNvSpPr>
+          <p:nvPr>
+            <p:ph type="sldNum" sz="quarter" idx="12"/>
+          </p:nvPr>
+        </p:nvSpPr>
+        <p:spPr>
+          <a:xfrm>
+            <a:off x="8610600" y="6356350"/>
+            <a:ext cx="2743200" cy="365125"/>
+          </a:xfrm>
+        </p:spPr>
+        <p:txBody>
+          <a:bodyPr/>
+          <a:lstStyle/>
+          <a:p>
+            <a:fld id="{07FAA96C-7A6B-4C67-8162-90C386026108}" type="slidenum">
+              <a:rPr lang="ko-KR" altLang="en-US" smtClean="0">
+                <a:latin typeface="Calibri" panose="020F0502020204030204" pitchFamily="34" charset="0"/>
+                <a:cs typeface="Calibri" panose="020F0502020204030204" pitchFamily="34" charset="0"/>
+              </a:rPr>
+              <a:t>3</a:t>
+            </a:fld>
+            <a:endParaRPr lang="ko-KR" altLang="en-US" dirty="0">
+              <a:latin typeface="Calibri" panose="020F0502020204030204" pitchFamily="34" charset="0"/>
+              <a:cs typeface="Calibri" panose="020F0502020204030204" pitchFamily="34" charset="0"/>
+            </a:endParaRPr>
+          </a:p>
+        </p:txBody>
+      </p:sp>
+      <p:sp>
+        <p:nvSpPr>
+          <p:cNvPr id="28" name="Content Placeholder 2">
+            <a:extLst>
+              <a:ext uri="{FF2B5EF4-FFF2-40B4-BE49-F238E27FC236}">
+                <a16:creationId xmlns:a16="http://schemas.microsoft.com/office/drawing/2014/main" id="{F2C1942B-51D1-4D4D-B4FD-8296CF7297C2}"/>
+              </a:ext>
+            </a:extLst>
+          </p:cNvPr>
+          <p:cNvSpPr txBox="1">
+            <a:spLocks/>
+          </p:cNvSpPr>
+          <p:nvPr/>
+        </p:nvSpPr>
+        <p:spPr>
+          <a:xfrm>
+            <a:off x="699516" y="3206005"/>
+            <a:ext cx="10792968" cy="445990"/>
+          </a:xfrm>
+          <a:prstGeom prst="rect">
+            <a:avLst/>
+          </a:prstGeom>
+        </p:spPr>
+        <p:txBody>
+          <a:bodyPr vert="horz" lIns="91440" tIns="45720" rIns="91440" bIns="45720" rtlCol="0">
+            <a:noAutofit/>
+          </a:bodyPr>
+          <a:lstStyle>
+            <a:lvl1pPr marL="228600" indent="-228600" algn="l" defTabSz="914400" rtl="0" eaLnBrk="1" latinLnBrk="1" hangingPunct="1">
+              <a:lnSpc>
+                <a:spcPct val="90000"/>
+              </a:lnSpc>
+              <a:spcBef>
+                <a:spcPts val="1000"/>
+              </a:spcBef>
+              <a:buFont typeface="Arial" panose="020B0604020202020204" pitchFamily="34" charset="0"/>
+              <a:buChar char="•"/>
+              <a:defRPr sz="2800" kern="1200">
+                <a:solidFill>
+                  <a:schemeClr val="tx1"/>
+                </a:solidFill>
+                <a:latin typeface="+mn-lt"/>
+                <a:ea typeface="+mn-ea"/>
+                <a:cs typeface="+mn-cs"/>
+              </a:defRPr>
+            </a:lvl1pPr>
+            <a:lvl2pPr marL="685800" indent="-228600" algn="l" defTabSz="914400" rtl="0" eaLnBrk="1" latinLnBrk="1" hangingPunct="1">
+              <a:lnSpc>
+                <a:spcPct val="90000"/>
+              </a:lnSpc>
+              <a:spcBef>
+                <a:spcPts val="500"/>
+              </a:spcBef>
+              <a:buFont typeface="Arial" panose="020B0604020202020204" pitchFamily="34" charset="0"/>
+              <a:buChar char="•"/>
+              <a:defRPr sz="2400" kern="1200">
+                <a:solidFill>
+                  <a:schemeClr val="tx1"/>
+                </a:solidFill>
+                <a:latin typeface="+mn-lt"/>
+                <a:ea typeface="+mn-ea"/>
+                <a:cs typeface="+mn-cs"/>
+              </a:defRPr>
+            </a:lvl2pPr>
+            <a:lvl3pPr marL="1143000" indent="-228600" algn="l" defTabSz="914400" rtl="0" eaLnBrk="1" latinLnBrk="1" hangingPunct="1">
+              <a:lnSpc>
+                <a:spcPct val="90000"/>
+              </a:lnSpc>
+              <a:spcBef>
+                <a:spcPts val="500"/>
+              </a:spcBef>
+              <a:buFont typeface="Arial" panose="020B0604020202020204" pitchFamily="34" charset="0"/>
+              <a:buChar char="•"/>
+              <a:defRPr sz="2000" kern="1200">
+                <a:solidFill>
+                  <a:schemeClr val="tx1"/>
+                </a:solidFill>
+                <a:latin typeface="+mn-lt"/>
+                <a:ea typeface="+mn-ea"/>
+                <a:cs typeface="+mn-cs"/>
+              </a:defRPr>
+            </a:lvl3pPr>
+            <a:lvl4pPr marL="1600200" indent="-228600" algn="l" defTabSz="914400" rtl="0" eaLnBrk="1" latinLnBrk="1" hangingPunct="1">
+              <a:lnSpc>
+                <a:spcPct val="90000"/>
+              </a:lnSpc>
+              <a:spcBef>
+                <a:spcPts val="500"/>
+              </a:spcBef>
+              <a:buFont typeface="Arial" panose="020B0604020202020204" pitchFamily="34" charset="0"/>
+              <a:buChar char="•"/>
+              <a:defRPr sz="1800" kern="1200">
+                <a:solidFill>
+                  <a:schemeClr val="tx1"/>
+                </a:solidFill>
+                <a:latin typeface="+mn-lt"/>
+                <a:ea typeface="+mn-ea"/>
+                <a:cs typeface="+mn-cs"/>
+              </a:defRPr>
+            </a:lvl4pPr>
+            <a:lvl5pPr marL="2057400" indent="-228600" algn="l" defTabSz="914400" rtl="0" eaLnBrk="1" latinLnBrk="1" hangingPunct="1">
+              <a:lnSpc>
+                <a:spcPct val="90000"/>
+              </a:lnSpc>
+              <a:spcBef>
+                <a:spcPts val="500"/>
+              </a:spcBef>
+              <a:buFont typeface="Arial" panose="020B0604020202020204" pitchFamily="34" charset="0"/>
+              <a:buChar char="•"/>
+              <a:defRPr sz="1800" kern="1200">
+                <a:solidFill>
+                  <a:schemeClr val="tx1"/>
+                </a:solidFill>
+                <a:latin typeface="+mn-lt"/>
+                <a:ea typeface="+mn-ea"/>
+                <a:cs typeface="+mn-cs"/>
+              </a:defRPr>
+            </a:lvl5pPr>
+            <a:lvl6pPr marL="2514600" indent="-228600" algn="l" defTabSz="914400" rtl="0" eaLnBrk="1" latinLnBrk="1" hangingPunct="1">
+              <a:lnSpc>
+                <a:spcPct val="90000"/>
+              </a:lnSpc>
+              <a:spcBef>
+                <a:spcPts val="500"/>
+              </a:spcBef>
+              <a:buFont typeface="Arial" panose="020B0604020202020204" pitchFamily="34" charset="0"/>
+              <a:buChar char="•"/>
+              <a:defRPr sz="1800" kern="1200">
+                <a:solidFill>
+                  <a:schemeClr val="tx1"/>
+                </a:solidFill>
+                <a:latin typeface="+mn-lt"/>
+                <a:ea typeface="+mn-ea"/>
+                <a:cs typeface="+mn-cs"/>
+              </a:defRPr>
+            </a:lvl6pPr>
+            <a:lvl7pPr marL="2971800" indent="-228600" algn="l" defTabSz="914400" rtl="0" eaLnBrk="1" latinLnBrk="1" hangingPunct="1">
+              <a:lnSpc>
+                <a:spcPct val="90000"/>
+              </a:lnSpc>
+              <a:spcBef>
+                <a:spcPts val="500"/>
+              </a:spcBef>
+              <a:buFont typeface="Arial" panose="020B0604020202020204" pitchFamily="34" charset="0"/>
+              <a:buChar char="•"/>
+              <a:defRPr sz="1800" kern="1200">
+                <a:solidFill>
+                  <a:schemeClr val="tx1"/>
+                </a:solidFill>
+                <a:latin typeface="+mn-lt"/>
+                <a:ea typeface="+mn-ea"/>
+                <a:cs typeface="+mn-cs"/>
+              </a:defRPr>
+            </a:lvl7pPr>
+            <a:lvl8pPr marL="3429000" indent="-228600" algn="l" defTabSz="914400" rtl="0" eaLnBrk="1" latinLnBrk="1" hangingPunct="1">
+              <a:lnSpc>
+                <a:spcPct val="90000"/>
+              </a:lnSpc>
+              <a:spcBef>
+                <a:spcPts val="500"/>
+              </a:spcBef>
+              <a:buFont typeface="Arial" panose="020B0604020202020204" pitchFamily="34" charset="0"/>
+              <a:buChar char="•"/>
+              <a:defRPr sz="1800" kern="1200">
+                <a:solidFill>
+                  <a:schemeClr val="tx1"/>
+                </a:solidFill>
+                <a:latin typeface="+mn-lt"/>
+                <a:ea typeface="+mn-ea"/>
+                <a:cs typeface="+mn-cs"/>
+              </a:defRPr>
+            </a:lvl8pPr>
+            <a:lvl9pPr marL="3886200" indent="-228600" algn="l" defTabSz="914400" rtl="0" eaLnBrk="1" latinLnBrk="1" hangingPunct="1">
+              <a:lnSpc>
+                <a:spcPct val="90000"/>
+              </a:lnSpc>
+              <a:spcBef>
+                <a:spcPts val="500"/>
+              </a:spcBef>
+              <a:buFont typeface="Arial" panose="020B0604020202020204" pitchFamily="34" charset="0"/>
+              <a:buChar char="•"/>
+              <a:defRPr sz="1800" kern="1200">
+                <a:solidFill>
+                  <a:schemeClr val="tx1"/>
+                </a:solidFill>
+                <a:latin typeface="+mn-lt"/>
+                <a:ea typeface="+mn-ea"/>
+                <a:cs typeface="+mn-cs"/>
+              </a:defRPr>
+            </a:lvl9pPr>
+          </a:lstStyle>
+          <a:p>
+            <a:pPr marL="0" indent="0" algn="ctr">
+              <a:buNone/>
+            </a:pPr>
+            <a:r>
+              <a:rPr lang="ko-KR" altLang="en-US" sz="2400" dirty="0">
+                <a:latin typeface="Calibri" panose="020F0502020204030204" pitchFamily="34" charset="0"/>
+                <a:cs typeface="Calibri" panose="020F0502020204030204" pitchFamily="34" charset="0"/>
+              </a:rPr>
+              <a:t>가중치 가지치기 </a:t>
+            </a:r>
+            <a:r>
+              <a:rPr lang="en-US" altLang="ko-KR" sz="2400" dirty="0">
+                <a:latin typeface="Calibri" panose="020F0502020204030204" pitchFamily="34" charset="0"/>
+                <a:cs typeface="Calibri" panose="020F0502020204030204" pitchFamily="34" charset="0"/>
+              </a:rPr>
+              <a:t>(Weight Pruning)</a:t>
+            </a:r>
+            <a:r>
+              <a:rPr lang="ko-KR" altLang="en-US" sz="2400" dirty="0">
+                <a:latin typeface="Calibri" panose="020F0502020204030204" pitchFamily="34" charset="0"/>
+                <a:cs typeface="Calibri" panose="020F0502020204030204" pitchFamily="34" charset="0"/>
+              </a:rPr>
+              <a:t>의 원리와 코드를 </a:t>
+            </a:r>
+            <a:r>
+              <a:rPr lang="ko-KR" altLang="en-US" sz="2400" b="1" i="1" dirty="0">
+                <a:solidFill>
+                  <a:srgbClr val="C00000"/>
+                </a:solidFill>
+                <a:latin typeface="Calibri" panose="020F0502020204030204" pitchFamily="34" charset="0"/>
+                <a:cs typeface="Calibri" panose="020F0502020204030204" pitchFamily="34" charset="0"/>
+              </a:rPr>
+              <a:t>쉽게</a:t>
+            </a:r>
+            <a:r>
+              <a:rPr lang="ko-KR" altLang="en-US" sz="2400" dirty="0">
+                <a:latin typeface="Calibri" panose="020F0502020204030204" pitchFamily="34" charset="0"/>
+                <a:cs typeface="Calibri" panose="020F0502020204030204" pitchFamily="34" charset="0"/>
+              </a:rPr>
+              <a:t> 이해하자 </a:t>
+            </a:r>
+            <a:r>
+              <a:rPr lang="en-US" altLang="ko-KR" sz="2400" dirty="0">
+                <a:latin typeface="Calibri" panose="020F0502020204030204" pitchFamily="34" charset="0"/>
+                <a:cs typeface="Calibri" panose="020F0502020204030204" pitchFamily="34" charset="0"/>
+              </a:rPr>
+              <a:t>!</a:t>
+            </a:r>
+          </a:p>
+        </p:txBody>
+      </p:sp>
+    </p:spTree>
+    <p:extLst>
+      <p:ext uri="{BB962C8B-B14F-4D97-AF65-F5344CB8AC3E}">
+        <p14:creationId xmlns:p14="http://schemas.microsoft.com/office/powerpoint/2010/main" val="3525659446"/>
+      </p:ext>
+    </p:extLst>
+  </p:cSld>
+  <p:clrMapOvr>
+    <a:masterClrMapping/>
+  </p:clrMapOvr>
+</p:sld>
+</file>
+
+<file path=ppt/slides/slide30.xml><?xml version="1.0" encoding="utf-8"?>
 <p:sld xmlns:a="http://schemas.openxmlformats.org/drawingml/2006/main" xmlns:r="http://schemas.openxmlformats.org/officeDocument/2006/relationships" xmlns:p="http://schemas.openxmlformats.org/presentationml/2006/main">
   <p:cSld>
     <p:spTree>
@@ -24019,7 +24792,7 @@
 </p:sld>
 </file>
 
-<file path=ppt/slides/slide29.xml><?xml version="1.0" encoding="utf-8"?>
+<file path=ppt/slides/slide31.xml><?xml version="1.0" encoding="utf-8"?>
 <p:sld xmlns:a="http://schemas.openxmlformats.org/drawingml/2006/main" xmlns:r="http://schemas.openxmlformats.org/officeDocument/2006/relationships" xmlns:p="http://schemas.openxmlformats.org/presentationml/2006/main">
   <p:cSld>
     <p:spTree>
@@ -24298,7 +25071,7 @@
 </p:sld>
 </file>
 
-<file path=ppt/slides/slide3.xml><?xml version="1.0" encoding="utf-8"?>
+<file path=ppt/slides/slide32.xml><?xml version="1.0" encoding="utf-8"?>
 <p:sld xmlns:a="http://schemas.openxmlformats.org/drawingml/2006/main" xmlns:r="http://schemas.openxmlformats.org/officeDocument/2006/relationships" xmlns:p="http://schemas.openxmlformats.org/presentationml/2006/main">
   <p:cSld>
     <p:spTree>
@@ -24362,7 +25135,7 @@
                 <a:latin typeface="Calibri" panose="020F0502020204030204" pitchFamily="34" charset="0"/>
                 <a:cs typeface="Calibri" panose="020F0502020204030204" pitchFamily="34" charset="0"/>
               </a:rPr>
-              <a:t>실습 목표</a:t>
+              <a:t>실습 과제</a:t>
             </a:r>
             <a:endParaRPr lang="ko-KR" altLang="en-US" sz="4000" dirty="0">
               <a:latin typeface="Calibri" panose="020F0502020204030204" pitchFamily="34" charset="0"/>
@@ -24401,375 +25174,7 @@
                 <a:latin typeface="Calibri" panose="020F0502020204030204" pitchFamily="34" charset="0"/>
                 <a:cs typeface="Calibri" panose="020F0502020204030204" pitchFamily="34" charset="0"/>
               </a:rPr>
-              <a:t>3</a:t>
-            </a:fld>
-            <a:endParaRPr lang="ko-KR" altLang="en-US" dirty="0">
-              <a:latin typeface="Calibri" panose="020F0502020204030204" pitchFamily="34" charset="0"/>
-              <a:cs typeface="Calibri" panose="020F0502020204030204" pitchFamily="34" charset="0"/>
-            </a:endParaRPr>
-          </a:p>
-        </p:txBody>
-      </p:sp>
-      <p:sp>
-        <p:nvSpPr>
-          <p:cNvPr id="28" name="Content Placeholder 2">
-            <a:extLst>
-              <a:ext uri="{FF2B5EF4-FFF2-40B4-BE49-F238E27FC236}">
-                <a16:creationId xmlns:a16="http://schemas.microsoft.com/office/drawing/2014/main" id="{F2C1942B-51D1-4D4D-B4FD-8296CF7297C2}"/>
-              </a:ext>
-            </a:extLst>
-          </p:cNvPr>
-          <p:cNvSpPr txBox="1">
-            <a:spLocks/>
-          </p:cNvSpPr>
-          <p:nvPr/>
-        </p:nvSpPr>
-        <p:spPr>
-          <a:xfrm>
-            <a:off x="699516" y="3206005"/>
-            <a:ext cx="10792968" cy="445990"/>
-          </a:xfrm>
-          <a:prstGeom prst="rect">
-            <a:avLst/>
-          </a:prstGeom>
-        </p:spPr>
-        <p:txBody>
-          <a:bodyPr vert="horz" lIns="91440" tIns="45720" rIns="91440" bIns="45720" rtlCol="0">
-            <a:noAutofit/>
-          </a:bodyPr>
-          <a:lstStyle>
-            <a:lvl1pPr marL="228600" indent="-228600" algn="l" defTabSz="914400" rtl="0" eaLnBrk="1" latinLnBrk="1" hangingPunct="1">
-              <a:lnSpc>
-                <a:spcPct val="90000"/>
-              </a:lnSpc>
-              <a:spcBef>
-                <a:spcPts val="1000"/>
-              </a:spcBef>
-              <a:buFont typeface="Arial" panose="020B0604020202020204" pitchFamily="34" charset="0"/>
-              <a:buChar char="•"/>
-              <a:defRPr sz="2800" kern="1200">
-                <a:solidFill>
-                  <a:schemeClr val="tx1"/>
-                </a:solidFill>
-                <a:latin typeface="+mn-lt"/>
-                <a:ea typeface="+mn-ea"/>
-                <a:cs typeface="+mn-cs"/>
-              </a:defRPr>
-            </a:lvl1pPr>
-            <a:lvl2pPr marL="685800" indent="-228600" algn="l" defTabSz="914400" rtl="0" eaLnBrk="1" latinLnBrk="1" hangingPunct="1">
-              <a:lnSpc>
-                <a:spcPct val="90000"/>
-              </a:lnSpc>
-              <a:spcBef>
-                <a:spcPts val="500"/>
-              </a:spcBef>
-              <a:buFont typeface="Arial" panose="020B0604020202020204" pitchFamily="34" charset="0"/>
-              <a:buChar char="•"/>
-              <a:defRPr sz="2400" kern="1200">
-                <a:solidFill>
-                  <a:schemeClr val="tx1"/>
-                </a:solidFill>
-                <a:latin typeface="+mn-lt"/>
-                <a:ea typeface="+mn-ea"/>
-                <a:cs typeface="+mn-cs"/>
-              </a:defRPr>
-            </a:lvl2pPr>
-            <a:lvl3pPr marL="1143000" indent="-228600" algn="l" defTabSz="914400" rtl="0" eaLnBrk="1" latinLnBrk="1" hangingPunct="1">
-              <a:lnSpc>
-                <a:spcPct val="90000"/>
-              </a:lnSpc>
-              <a:spcBef>
-                <a:spcPts val="500"/>
-              </a:spcBef>
-              <a:buFont typeface="Arial" panose="020B0604020202020204" pitchFamily="34" charset="0"/>
-              <a:buChar char="•"/>
-              <a:defRPr sz="2000" kern="1200">
-                <a:solidFill>
-                  <a:schemeClr val="tx1"/>
-                </a:solidFill>
-                <a:latin typeface="+mn-lt"/>
-                <a:ea typeface="+mn-ea"/>
-                <a:cs typeface="+mn-cs"/>
-              </a:defRPr>
-            </a:lvl3pPr>
-            <a:lvl4pPr marL="1600200" indent="-228600" algn="l" defTabSz="914400" rtl="0" eaLnBrk="1" latinLnBrk="1" hangingPunct="1">
-              <a:lnSpc>
-                <a:spcPct val="90000"/>
-              </a:lnSpc>
-              <a:spcBef>
-                <a:spcPts val="500"/>
-              </a:spcBef>
-              <a:buFont typeface="Arial" panose="020B0604020202020204" pitchFamily="34" charset="0"/>
-              <a:buChar char="•"/>
-              <a:defRPr sz="1800" kern="1200">
-                <a:solidFill>
-                  <a:schemeClr val="tx1"/>
-                </a:solidFill>
-                <a:latin typeface="+mn-lt"/>
-                <a:ea typeface="+mn-ea"/>
-                <a:cs typeface="+mn-cs"/>
-              </a:defRPr>
-            </a:lvl4pPr>
-            <a:lvl5pPr marL="2057400" indent="-228600" algn="l" defTabSz="914400" rtl="0" eaLnBrk="1" latinLnBrk="1" hangingPunct="1">
-              <a:lnSpc>
-                <a:spcPct val="90000"/>
-              </a:lnSpc>
-              <a:spcBef>
-                <a:spcPts val="500"/>
-              </a:spcBef>
-              <a:buFont typeface="Arial" panose="020B0604020202020204" pitchFamily="34" charset="0"/>
-              <a:buChar char="•"/>
-              <a:defRPr sz="1800" kern="1200">
-                <a:solidFill>
-                  <a:schemeClr val="tx1"/>
-                </a:solidFill>
-                <a:latin typeface="+mn-lt"/>
-                <a:ea typeface="+mn-ea"/>
-                <a:cs typeface="+mn-cs"/>
-              </a:defRPr>
-            </a:lvl5pPr>
-            <a:lvl6pPr marL="2514600" indent="-228600" algn="l" defTabSz="914400" rtl="0" eaLnBrk="1" latinLnBrk="1" hangingPunct="1">
-              <a:lnSpc>
-                <a:spcPct val="90000"/>
-              </a:lnSpc>
-              <a:spcBef>
-                <a:spcPts val="500"/>
-              </a:spcBef>
-              <a:buFont typeface="Arial" panose="020B0604020202020204" pitchFamily="34" charset="0"/>
-              <a:buChar char="•"/>
-              <a:defRPr sz="1800" kern="1200">
-                <a:solidFill>
-                  <a:schemeClr val="tx1"/>
-                </a:solidFill>
-                <a:latin typeface="+mn-lt"/>
-                <a:ea typeface="+mn-ea"/>
-                <a:cs typeface="+mn-cs"/>
-              </a:defRPr>
-            </a:lvl6pPr>
-            <a:lvl7pPr marL="2971800" indent="-228600" algn="l" defTabSz="914400" rtl="0" eaLnBrk="1" latinLnBrk="1" hangingPunct="1">
-              <a:lnSpc>
-                <a:spcPct val="90000"/>
-              </a:lnSpc>
-              <a:spcBef>
-                <a:spcPts val="500"/>
-              </a:spcBef>
-              <a:buFont typeface="Arial" panose="020B0604020202020204" pitchFamily="34" charset="0"/>
-              <a:buChar char="•"/>
-              <a:defRPr sz="1800" kern="1200">
-                <a:solidFill>
-                  <a:schemeClr val="tx1"/>
-                </a:solidFill>
-                <a:latin typeface="+mn-lt"/>
-                <a:ea typeface="+mn-ea"/>
-                <a:cs typeface="+mn-cs"/>
-              </a:defRPr>
-            </a:lvl7pPr>
-            <a:lvl8pPr marL="3429000" indent="-228600" algn="l" defTabSz="914400" rtl="0" eaLnBrk="1" latinLnBrk="1" hangingPunct="1">
-              <a:lnSpc>
-                <a:spcPct val="90000"/>
-              </a:lnSpc>
-              <a:spcBef>
-                <a:spcPts val="500"/>
-              </a:spcBef>
-              <a:buFont typeface="Arial" panose="020B0604020202020204" pitchFamily="34" charset="0"/>
-              <a:buChar char="•"/>
-              <a:defRPr sz="1800" kern="1200">
-                <a:solidFill>
-                  <a:schemeClr val="tx1"/>
-                </a:solidFill>
-                <a:latin typeface="+mn-lt"/>
-                <a:ea typeface="+mn-ea"/>
-                <a:cs typeface="+mn-cs"/>
-              </a:defRPr>
-            </a:lvl8pPr>
-            <a:lvl9pPr marL="3886200" indent="-228600" algn="l" defTabSz="914400" rtl="0" eaLnBrk="1" latinLnBrk="1" hangingPunct="1">
-              <a:lnSpc>
-                <a:spcPct val="90000"/>
-              </a:lnSpc>
-              <a:spcBef>
-                <a:spcPts val="500"/>
-              </a:spcBef>
-              <a:buFont typeface="Arial" panose="020B0604020202020204" pitchFamily="34" charset="0"/>
-              <a:buChar char="•"/>
-              <a:defRPr sz="1800" kern="1200">
-                <a:solidFill>
-                  <a:schemeClr val="tx1"/>
-                </a:solidFill>
-                <a:latin typeface="+mn-lt"/>
-                <a:ea typeface="+mn-ea"/>
-                <a:cs typeface="+mn-cs"/>
-              </a:defRPr>
-            </a:lvl9pPr>
-          </a:lstStyle>
-          <a:p>
-            <a:pPr marL="0" indent="0" algn="ctr">
-              <a:buNone/>
-            </a:pPr>
-            <a:r>
-              <a:rPr lang="ko-KR" altLang="en-US" sz="2400" dirty="0">
-                <a:latin typeface="Calibri" panose="020F0502020204030204" pitchFamily="34" charset="0"/>
-                <a:cs typeface="Calibri" panose="020F0502020204030204" pitchFamily="34" charset="0"/>
-              </a:rPr>
-              <a:t>가중치 가지치기 </a:t>
-            </a:r>
-            <a:r>
-              <a:rPr lang="en-US" altLang="ko-KR" sz="2400" dirty="0">
-                <a:latin typeface="Calibri" panose="020F0502020204030204" pitchFamily="34" charset="0"/>
-                <a:cs typeface="Calibri" panose="020F0502020204030204" pitchFamily="34" charset="0"/>
-              </a:rPr>
-              <a:t>(Weight Pruning)</a:t>
-            </a:r>
-            <a:r>
-              <a:rPr lang="ko-KR" altLang="en-US" sz="2400" dirty="0">
-                <a:latin typeface="Calibri" panose="020F0502020204030204" pitchFamily="34" charset="0"/>
-                <a:cs typeface="Calibri" panose="020F0502020204030204" pitchFamily="34" charset="0"/>
-              </a:rPr>
-              <a:t>의 원리와 코드를 </a:t>
-            </a:r>
-            <a:r>
-              <a:rPr lang="ko-KR" altLang="en-US" sz="2400" b="1" i="1" dirty="0">
-                <a:solidFill>
-                  <a:srgbClr val="C00000"/>
-                </a:solidFill>
-                <a:latin typeface="Calibri" panose="020F0502020204030204" pitchFamily="34" charset="0"/>
-                <a:cs typeface="Calibri" panose="020F0502020204030204" pitchFamily="34" charset="0"/>
-              </a:rPr>
-              <a:t>쉽게</a:t>
-            </a:r>
-            <a:r>
-              <a:rPr lang="ko-KR" altLang="en-US" sz="2400" dirty="0">
-                <a:latin typeface="Calibri" panose="020F0502020204030204" pitchFamily="34" charset="0"/>
-                <a:cs typeface="Calibri" panose="020F0502020204030204" pitchFamily="34" charset="0"/>
-              </a:rPr>
-              <a:t> 이해하자 </a:t>
-            </a:r>
-            <a:r>
-              <a:rPr lang="en-US" altLang="ko-KR" sz="2400" dirty="0">
-                <a:latin typeface="Calibri" panose="020F0502020204030204" pitchFamily="34" charset="0"/>
-                <a:cs typeface="Calibri" panose="020F0502020204030204" pitchFamily="34" charset="0"/>
-              </a:rPr>
-              <a:t>!</a:t>
-            </a:r>
-          </a:p>
-        </p:txBody>
-      </p:sp>
-    </p:spTree>
-    <p:extLst>
-      <p:ext uri="{BB962C8B-B14F-4D97-AF65-F5344CB8AC3E}">
-        <p14:creationId xmlns:p14="http://schemas.microsoft.com/office/powerpoint/2010/main" val="3525659446"/>
-      </p:ext>
-    </p:extLst>
-  </p:cSld>
-  <p:clrMapOvr>
-    <a:masterClrMapping/>
-  </p:clrMapOvr>
-</p:sld>
-</file>
-
-<file path=ppt/slides/slide30.xml><?xml version="1.0" encoding="utf-8"?>
-<p:sld xmlns:a="http://schemas.openxmlformats.org/drawingml/2006/main" xmlns:r="http://schemas.openxmlformats.org/officeDocument/2006/relationships" xmlns:p="http://schemas.openxmlformats.org/presentationml/2006/main">
-  <p:cSld>
-    <p:spTree>
-      <p:nvGrpSpPr>
-        <p:cNvPr id="1" name=""/>
-        <p:cNvGrpSpPr/>
-        <p:nvPr/>
-      </p:nvGrpSpPr>
-      <p:grpSpPr>
-        <a:xfrm>
-          <a:off x="0" y="0"/>
-          <a:ext cx="0" cy="0"/>
-          <a:chOff x="0" y="0"/>
-          <a:chExt cx="0" cy="0"/>
-        </a:xfrm>
-      </p:grpSpPr>
-      <p:sp>
-        <p:nvSpPr>
-          <p:cNvPr id="7" name="Title 1"/>
-          <p:cNvSpPr txBox="1">
-            <a:spLocks/>
-          </p:cNvSpPr>
-          <p:nvPr/>
-        </p:nvSpPr>
-        <p:spPr>
-          <a:xfrm>
-            <a:off x="838200" y="365125"/>
-            <a:ext cx="10515600" cy="1325563"/>
-          </a:xfrm>
-          <a:prstGeom prst="rect">
-            <a:avLst/>
-          </a:prstGeom>
-        </p:spPr>
-        <p:txBody>
-          <a:bodyPr vert="horz" lIns="91440" tIns="45720" rIns="91440" bIns="45720" rtlCol="0" anchor="ctr">
-            <a:normAutofit/>
-          </a:bodyPr>
-          <a:lstStyle>
-            <a:lvl1pPr algn="ctr" defTabSz="914400" rtl="0" eaLnBrk="1" latinLnBrk="1" hangingPunct="1">
-              <a:lnSpc>
-                <a:spcPct val="90000"/>
-              </a:lnSpc>
-              <a:spcBef>
-                <a:spcPct val="0"/>
-              </a:spcBef>
-              <a:buNone/>
-              <a:defRPr sz="6000" kern="1200">
-                <a:solidFill>
-                  <a:schemeClr val="tx1"/>
-                </a:solidFill>
-                <a:latin typeface="+mj-lt"/>
-                <a:ea typeface="+mj-ea"/>
-                <a:cs typeface="+mj-cs"/>
-              </a:defRPr>
-            </a:lvl1pPr>
-          </a:lstStyle>
-          <a:p>
-            <a:pPr algn="l"/>
-            <a:r>
-              <a:rPr lang="ko-KR" altLang="en-US" sz="4000" dirty="0">
-                <a:latin typeface="Calibri" panose="020F0502020204030204" pitchFamily="34" charset="0"/>
-                <a:cs typeface="Calibri" panose="020F0502020204030204" pitchFamily="34" charset="0"/>
-              </a:rPr>
-              <a:t>실습 과제</a:t>
-            </a:r>
-            <a:endParaRPr lang="ko-KR" altLang="en-US" sz="4000" dirty="0">
-              <a:latin typeface="Calibri" panose="020F0502020204030204" pitchFamily="34" charset="0"/>
-            </a:endParaRPr>
-          </a:p>
-        </p:txBody>
-      </p:sp>
-      <p:sp>
-        <p:nvSpPr>
-          <p:cNvPr id="9" name="슬라이드 번호 개체 틀 7">
-            <a:extLst>
-              <a:ext uri="{FF2B5EF4-FFF2-40B4-BE49-F238E27FC236}">
-                <a16:creationId xmlns:a16="http://schemas.microsoft.com/office/drawing/2014/main" id="{E5AA4C27-49CA-4BE9-83FD-A813689EF3E2}"/>
-              </a:ext>
-            </a:extLst>
-          </p:cNvPr>
-          <p:cNvSpPr>
-            <a:spLocks noGrp="1"/>
-          </p:cNvSpPr>
-          <p:nvPr>
-            <p:ph type="sldNum" sz="quarter" idx="12"/>
-          </p:nvPr>
-        </p:nvSpPr>
-        <p:spPr>
-          <a:xfrm>
-            <a:off x="8610600" y="6356350"/>
-            <a:ext cx="2743200" cy="365125"/>
-          </a:xfrm>
-        </p:spPr>
-        <p:txBody>
-          <a:bodyPr/>
-          <a:lstStyle/>
-          <a:p>
-            <a:fld id="{07FAA96C-7A6B-4C67-8162-90C386026108}" type="slidenum">
-              <a:rPr lang="ko-KR" altLang="en-US" smtClean="0">
-                <a:latin typeface="Calibri" panose="020F0502020204030204" pitchFamily="34" charset="0"/>
-                <a:cs typeface="Calibri" panose="020F0502020204030204" pitchFamily="34" charset="0"/>
-              </a:rPr>
-              <a:t>30</a:t>
+              <a:t>32</a:t>
             </a:fld>
             <a:endParaRPr lang="ko-KR" altLang="en-US" dirty="0">
               <a:latin typeface="Calibri" panose="020F0502020204030204" pitchFamily="34" charset="0"/>
